--- a/QCM/QCM_Multiphysique.pptx
+++ b/QCM/QCM_Multiphysique.pptx
@@ -5,7 +5,7 @@
     <p:sldMasterId id="2147483648" r:id="rId1"/>
   </p:sldMasterIdLst>
   <p:sldIdLst>
-    <p:sldId id="257" r:id="rId2"/>
+    <p:sldId id="258" r:id="rId2"/>
   </p:sldIdLst>
   <p:sldSz cx="9144000" cy="6858000" type="screen4x3"/>
   <p:notesSz cx="6858000" cy="9144000"/>
@@ -304,7 +304,7 @@
           <a:p>
             <a:fld id="{AA309A6D-C09C-4548-B29A-6CF363A7E532}" type="datetimeFigureOut">
               <a:rPr lang="fr-FR" smtClean="0"/>
-              <a:t>01/09/2018</a:t>
+              <a:t>02/09/2018</a:t>
             </a:fld>
             <a:endParaRPr lang="fr-BE"/>
           </a:p>
@@ -469,7 +469,7 @@
           <a:p>
             <a:fld id="{AA309A6D-C09C-4548-B29A-6CF363A7E532}" type="datetimeFigureOut">
               <a:rPr lang="fr-FR" smtClean="0"/>
-              <a:t>01/09/2018</a:t>
+              <a:t>02/09/2018</a:t>
             </a:fld>
             <a:endParaRPr lang="fr-BE"/>
           </a:p>
@@ -644,7 +644,7 @@
           <a:p>
             <a:fld id="{AA309A6D-C09C-4548-B29A-6CF363A7E532}" type="datetimeFigureOut">
               <a:rPr lang="fr-FR" smtClean="0"/>
-              <a:t>01/09/2018</a:t>
+              <a:t>02/09/2018</a:t>
             </a:fld>
             <a:endParaRPr lang="fr-BE"/>
           </a:p>
@@ -809,7 +809,7 @@
           <a:p>
             <a:fld id="{AA309A6D-C09C-4548-B29A-6CF363A7E532}" type="datetimeFigureOut">
               <a:rPr lang="fr-FR" smtClean="0"/>
-              <a:t>01/09/2018</a:t>
+              <a:t>02/09/2018</a:t>
             </a:fld>
             <a:endParaRPr lang="fr-BE"/>
           </a:p>
@@ -1050,7 +1050,7 @@
           <a:p>
             <a:fld id="{AA309A6D-C09C-4548-B29A-6CF363A7E532}" type="datetimeFigureOut">
               <a:rPr lang="fr-FR" smtClean="0"/>
-              <a:t>01/09/2018</a:t>
+              <a:t>02/09/2018</a:t>
             </a:fld>
             <a:endParaRPr lang="fr-BE"/>
           </a:p>
@@ -1333,7 +1333,7 @@
           <a:p>
             <a:fld id="{AA309A6D-C09C-4548-B29A-6CF363A7E532}" type="datetimeFigureOut">
               <a:rPr lang="fr-FR" smtClean="0"/>
-              <a:t>01/09/2018</a:t>
+              <a:t>02/09/2018</a:t>
             </a:fld>
             <a:endParaRPr lang="fr-BE"/>
           </a:p>
@@ -1750,7 +1750,7 @@
           <a:p>
             <a:fld id="{AA309A6D-C09C-4548-B29A-6CF363A7E532}" type="datetimeFigureOut">
               <a:rPr lang="fr-FR" smtClean="0"/>
-              <a:t>01/09/2018</a:t>
+              <a:t>02/09/2018</a:t>
             </a:fld>
             <a:endParaRPr lang="fr-BE"/>
           </a:p>
@@ -1863,7 +1863,7 @@
           <a:p>
             <a:fld id="{AA309A6D-C09C-4548-B29A-6CF363A7E532}" type="datetimeFigureOut">
               <a:rPr lang="fr-FR" smtClean="0"/>
-              <a:t>01/09/2018</a:t>
+              <a:t>02/09/2018</a:t>
             </a:fld>
             <a:endParaRPr lang="fr-BE"/>
           </a:p>
@@ -1953,7 +1953,7 @@
           <a:p>
             <a:fld id="{AA309A6D-C09C-4548-B29A-6CF363A7E532}" type="datetimeFigureOut">
               <a:rPr lang="fr-FR" smtClean="0"/>
-              <a:t>01/09/2018</a:t>
+              <a:t>02/09/2018</a:t>
             </a:fld>
             <a:endParaRPr lang="fr-BE"/>
           </a:p>
@@ -2225,7 +2225,7 @@
           <a:p>
             <a:fld id="{AA309A6D-C09C-4548-B29A-6CF363A7E532}" type="datetimeFigureOut">
               <a:rPr lang="fr-FR" smtClean="0"/>
-              <a:t>01/09/2018</a:t>
+              <a:t>02/09/2018</a:t>
             </a:fld>
             <a:endParaRPr lang="fr-BE"/>
           </a:p>
@@ -2473,7 +2473,7 @@
           <a:p>
             <a:fld id="{AA309A6D-C09C-4548-B29A-6CF363A7E532}" type="datetimeFigureOut">
               <a:rPr lang="fr-FR" smtClean="0"/>
-              <a:t>01/09/2018</a:t>
+              <a:t>02/09/2018</a:t>
             </a:fld>
             <a:endParaRPr lang="fr-BE"/>
           </a:p>
@@ -2681,7 +2681,7 @@
           <a:p>
             <a:fld id="{AA309A6D-C09C-4548-B29A-6CF363A7E532}" type="datetimeFigureOut">
               <a:rPr lang="fr-FR" smtClean="0"/>
-              <a:t>01/09/2018</a:t>
+              <a:t>02/09/2018</a:t>
             </a:fld>
             <a:endParaRPr lang="fr-BE"/>
           </a:p>
@@ -3051,60 +3051,440 @@
           <a:chExt cx="0" cy="0"/>
         </a:xfrm>
       </p:grpSpPr>
-      <p:sp>
-        <p:nvSpPr>
-          <p:cNvPr id="2" name="Titre 1">
+      <mc:AlternateContent xmlns:mc="http://schemas.openxmlformats.org/markup-compatibility/2006">
+        <mc:Choice xmlns:a14="http://schemas.microsoft.com/office/drawing/2010/main" Requires="a14">
+          <p:sp>
+            <p:nvSpPr>
+              <p:cNvPr id="3" name="Espace réservé du contenu 2">
+                <a:extLst>
+                  <a:ext uri="{FF2B5EF4-FFF2-40B4-BE49-F238E27FC236}">
+                    <a16:creationId xmlns:a16="http://schemas.microsoft.com/office/drawing/2014/main" id="{2CC5643C-1EF6-4E6A-9268-8B2000B86698}"/>
+                  </a:ext>
+                </a:extLst>
+              </p:cNvPr>
+              <p:cNvSpPr>
+                <a:spLocks noGrp="1"/>
+              </p:cNvSpPr>
+              <p:nvPr>
+                <p:ph idx="1"/>
+              </p:nvPr>
+            </p:nvSpPr>
+            <p:spPr>
+              <a:xfrm>
+                <a:off x="0" y="0"/>
+                <a:ext cx="9144000" cy="6858000"/>
+              </a:xfrm>
+            </p:spPr>
+            <p:txBody>
+              <a:bodyPr>
+                <a:normAutofit fontScale="47500" lnSpcReduction="20000"/>
+              </a:bodyPr>
+              <a:lstStyle/>
+              <a:p>
+                <a:r>
+                  <a:rPr lang="fr-FR" dirty="0"/>
+                  <a:t>La modélisation d’un système dans le domaine symbolique ne concerne que les systèmes linéaires. </a:t>
+                </a:r>
+              </a:p>
+              <a:p>
+                <a:pPr lvl="1"/>
+                <a:r>
+                  <a:rPr lang="fr-FR" dirty="0"/>
+                  <a:t>Vrai En effet, la modélisation dans le domaine symbolique ne concerne que les systèmes linéaires.</a:t>
+                </a:r>
+              </a:p>
+              <a:p>
+                <a:r>
+                  <a:rPr lang="fr-FR" dirty="0"/>
+                  <a:t>Dans un schéma-blocs, les liens sont des grandeurs physiques dont les conditions initiales sont nulles. </a:t>
+                </a:r>
+              </a:p>
+              <a:p>
+                <a:pPr lvl="1"/>
+                <a:r>
+                  <a:rPr lang="fr-FR" dirty="0"/>
+                  <a:t>Vrai. La modélisation sous forme de fonction de transfert ne peut se faire que si les conditions initiales des fonctions du temps en entrée et en sortie sont nulles.</a:t>
+                </a:r>
+              </a:p>
+              <a:p>
+                <a:r>
+                  <a:rPr lang="fr-FR" dirty="0"/>
+                  <a:t>La modélisation par schéma-blocs d’un système est unique. 	</a:t>
+                </a:r>
+              </a:p>
+              <a:p>
+                <a:pPr lvl="1"/>
+                <a:r>
+                  <a:rPr lang="fr-FR" dirty="0"/>
+                  <a:t>Faux La modélisation par schéma-blocs est la traduction d’un système d’équations. On peut donner des schéma-blocs mathématiquement équivalent, c’est-à-dire ayant le même comportement ou la même fonction de transfert globale.</a:t>
+                </a:r>
+              </a:p>
+              <a:p>
+                <a:r>
+                  <a:rPr lang="fr-FR" dirty="0"/>
+                  <a:t>La modélisation par schéma-blocs dans le domaine symbolique impose des règles d’association des différents blocs. On ne peut donc relier n’importe quel bloc à un autre. </a:t>
+                </a:r>
+              </a:p>
+              <a:p>
+                <a:pPr lvl="1"/>
+                <a:r>
+                  <a:rPr lang="fr-FR" dirty="0"/>
+                  <a:t>Faux. Dans la modélisation par schéma-blocs dans le domaine symbolique, les différents blocs peuvent théoriquement être reliés </a:t>
+                </a:r>
+                <a:r>
+                  <a:rPr lang="fr-FR" dirty="0" err="1"/>
+                  <a:t>entre-eux</a:t>
+                </a:r>
+                <a:r>
+                  <a:rPr lang="fr-FR" dirty="0"/>
+                  <a:t>, indépendamment de la nature des grandeurs physiques d’entrée et de sortie. Le modélisateur s’assurera tout de même que le modèle est cohérent : la grandeur de sortie d’un bloc modélisé doit être identique à la grandeur d’entrée du bloc auquel il est relié.</a:t>
+                </a:r>
+              </a:p>
+              <a:p>
+                <a:r>
+                  <a:rPr lang="fr-FR" dirty="0"/>
+                  <a:t>Les modélisations causale et acausale d’un même système, donnent des résultats simulés identiques. </a:t>
+                </a:r>
+              </a:p>
+              <a:p>
+                <a:pPr lvl="1"/>
+                <a:r>
+                  <a:rPr lang="fr-FR" dirty="0"/>
+                  <a:t>Vrai. Dans le cas où le système est modélisable en modélisation causale et en modélisation acausale, les résultats sont bien identiques.</a:t>
+                </a:r>
+              </a:p>
+              <a:p>
+                <a:r>
+                  <a:rPr lang="fr-FR" dirty="0"/>
+                  <a:t>La modélisation acausale nécessite de la part du modélisateur une connaissance des lois de comportement des constituants.</a:t>
+                </a:r>
+              </a:p>
+              <a:p>
+                <a:pPr lvl="1"/>
+                <a:r>
+                  <a:rPr lang="fr-FR" dirty="0"/>
+                  <a:t>Faux. En modélisation acausale, le modélisateur ne doit renseigner que la valeur des paramètres influents. Sa connaissance des lois de comportement n’est pas nécessaire.</a:t>
+                </a:r>
+              </a:p>
+              <a:p>
+                <a:r>
+                  <a:rPr lang="fr-FR" dirty="0"/>
+                  <a:t>Il est possible de mélanger modélisation causale et modélisation acausale dans un modèle global.</a:t>
+                </a:r>
+              </a:p>
+              <a:p>
+                <a:pPr lvl="1"/>
+                <a:r>
+                  <a:rPr lang="fr-FR" dirty="0"/>
+                  <a:t>Vrai. On peut en effet mélanger modélisation causale et modélisation acausale à partir du moment où le modélisateur respecte la nature des flux véhiculés.</a:t>
+                </a:r>
+              </a:p>
+              <a:p>
+                <a:r>
+                  <a:rPr lang="fr-FR" dirty="0"/>
+                  <a:t>Cette modélisation respecte les règles d’association : </a:t>
+                </a:r>
+              </a:p>
+              <a:p>
+                <a:pPr lvl="1"/>
+                <a:r>
+                  <a:rPr lang="fr-FR" dirty="0"/>
+                  <a:t>Vrai. Les règles d’association sont respectées étant donné que les ports reliés sont de nature identique.</a:t>
+                </a:r>
+              </a:p>
+              <a:p>
+                <a:r>
+                  <a:rPr lang="fr-FR" dirty="0"/>
+                  <a:t>Cette modélisation respecte les règles d’association : 	</a:t>
+                </a:r>
+              </a:p>
+              <a:p>
+                <a:pPr lvl="1"/>
+                <a:r>
+                  <a:rPr lang="fr-FR" dirty="0"/>
+                  <a:t>Faux. Les règles d’association ne sont pas respectées étant donné que le port carré de la force imposée est relié à un lien joignant deux ports circulaires (flux d’énergie mécanique en rotation).</a:t>
+                </a:r>
+              </a:p>
+              <a:p>
+                <a:r>
+                  <a:rPr lang="fr-FR" dirty="0"/>
+                  <a:t>Dans la formule donnant la puissance électrique instantanée : </a:t>
+                </a:r>
+                <a14:m>
+                  <m:oMath xmlns:m="http://schemas.openxmlformats.org/officeDocument/2006/math">
+                    <m:r>
+                      <a:rPr lang="fr-FR" b="0" i="1" smtClean="0">
+                        <a:latin typeface="Cambria Math" panose="02040503050406030204" pitchFamily="18" charset="0"/>
+                      </a:rPr>
+                      <m:t>𝑝</m:t>
+                    </m:r>
+                    <m:d>
+                      <m:dPr>
+                        <m:ctrlPr>
+                          <a:rPr lang="fr-FR" b="0" i="1" smtClean="0">
+                            <a:latin typeface="Cambria Math" panose="02040503050406030204" pitchFamily="18" charset="0"/>
+                          </a:rPr>
+                        </m:ctrlPr>
+                      </m:dPr>
+                      <m:e>
+                        <m:r>
+                          <a:rPr lang="fr-FR" b="0" i="1" smtClean="0">
+                            <a:latin typeface="Cambria Math" panose="02040503050406030204" pitchFamily="18" charset="0"/>
+                          </a:rPr>
+                          <m:t>𝑡</m:t>
+                        </m:r>
+                      </m:e>
+                    </m:d>
+                    <m:r>
+                      <a:rPr lang="fr-FR" b="0" i="1" smtClean="0">
+                        <a:latin typeface="Cambria Math" panose="02040503050406030204" pitchFamily="18" charset="0"/>
+                      </a:rPr>
+                      <m:t>=</m:t>
+                    </m:r>
+                    <m:r>
+                      <a:rPr lang="fr-FR" b="0" i="1" smtClean="0">
+                        <a:latin typeface="Cambria Math" panose="02040503050406030204" pitchFamily="18" charset="0"/>
+                      </a:rPr>
+                      <m:t>𝑢</m:t>
+                    </m:r>
+                    <m:d>
+                      <m:dPr>
+                        <m:ctrlPr>
+                          <a:rPr lang="fr-FR" b="0" i="1" smtClean="0">
+                            <a:latin typeface="Cambria Math" panose="02040503050406030204" pitchFamily="18" charset="0"/>
+                          </a:rPr>
+                        </m:ctrlPr>
+                      </m:dPr>
+                      <m:e>
+                        <m:r>
+                          <a:rPr lang="fr-FR" b="0" i="1" smtClean="0">
+                            <a:latin typeface="Cambria Math" panose="02040503050406030204" pitchFamily="18" charset="0"/>
+                          </a:rPr>
+                          <m:t>𝑡</m:t>
+                        </m:r>
+                      </m:e>
+                    </m:d>
+                    <m:r>
+                      <a:rPr lang="fr-FR" b="0" i="1" smtClean="0">
+                        <a:latin typeface="Cambria Math" panose="02040503050406030204" pitchFamily="18" charset="0"/>
+                      </a:rPr>
+                      <m:t>×</m:t>
+                    </m:r>
+                    <m:r>
+                      <a:rPr lang="fr-FR" b="0" i="1" smtClean="0">
+                        <a:latin typeface="Cambria Math" panose="02040503050406030204" pitchFamily="18" charset="0"/>
+                      </a:rPr>
+                      <m:t>𝑖</m:t>
+                    </m:r>
+                    <m:d>
+                      <m:dPr>
+                        <m:ctrlPr>
+                          <a:rPr lang="fr-FR" b="0" i="1" smtClean="0">
+                            <a:latin typeface="Cambria Math" panose="02040503050406030204" pitchFamily="18" charset="0"/>
+                          </a:rPr>
+                        </m:ctrlPr>
+                      </m:dPr>
+                      <m:e>
+                        <m:r>
+                          <a:rPr lang="fr-FR" b="0" i="1" smtClean="0">
+                            <a:latin typeface="Cambria Math" panose="02040503050406030204" pitchFamily="18" charset="0"/>
+                          </a:rPr>
+                          <m:t>𝑡</m:t>
+                        </m:r>
+                      </m:e>
+                    </m:d>
+                    <m:r>
+                      <a:rPr lang="fr-FR" b="0" i="1" smtClean="0">
+                        <a:latin typeface="Cambria Math" panose="02040503050406030204" pitchFamily="18" charset="0"/>
+                      </a:rPr>
+                      <m:t>,</m:t>
+                    </m:r>
+                  </m:oMath>
+                </a14:m>
+                <a:r>
+                  <a:rPr lang="fr-FR" dirty="0"/>
+                  <a:t>u(t) est une grandeur de type « effort » et est une grandeur de type « flux ».</a:t>
+                </a:r>
+              </a:p>
+              <a:p>
+                <a:pPr lvl="1"/>
+                <a:r>
+                  <a:rPr lang="fr-FR" dirty="0"/>
+                  <a:t>Vrai. En effet, dans la formule donnant la puissance électrique instantanée p(t)=u(t) x i(t), u(t)</a:t>
+                </a:r>
+                <a:r>
+                  <a:rPr lang="fr-FR" sz="3600" dirty="0"/>
+                  <a:t> </a:t>
+                </a:r>
+                <a:r>
+                  <a:rPr lang="fr-FR" dirty="0"/>
+                  <a:t>est une grandeur de type « effort» et i(t)</a:t>
+                </a:r>
+                <a:r>
+                  <a:rPr lang="fr-FR" sz="3600" dirty="0"/>
+                  <a:t> </a:t>
+                </a:r>
+                <a:r>
+                  <a:rPr lang="fr-FR" dirty="0"/>
+                  <a:t>est une grandeur de type « flux ».</a:t>
+                </a:r>
+              </a:p>
+              <a:p>
+                <a:endParaRPr lang="fr-FR" dirty="0"/>
+              </a:p>
+              <a:p>
+                <a:endParaRPr lang="fr-FR" dirty="0"/>
+              </a:p>
+            </p:txBody>
+          </p:sp>
+        </mc:Choice>
+        <mc:Fallback>
+          <p:sp>
+            <p:nvSpPr>
+              <p:cNvPr id="3" name="Espace réservé du contenu 2">
+                <a:extLst>
+                  <a:ext uri="{FF2B5EF4-FFF2-40B4-BE49-F238E27FC236}">
+                    <a16:creationId xmlns:a16="http://schemas.microsoft.com/office/drawing/2014/main" id="{2CC5643C-1EF6-4E6A-9268-8B2000B86698}"/>
+                  </a:ext>
+                </a:extLst>
+              </p:cNvPr>
+              <p:cNvSpPr>
+                <a:spLocks noGrp="1" noRot="1" noChangeAspect="1" noMove="1" noResize="1" noEditPoints="1" noAdjustHandles="1" noChangeArrowheads="1" noChangeShapeType="1" noTextEdit="1"/>
+              </p:cNvSpPr>
+              <p:nvPr>
+                <p:ph idx="1"/>
+              </p:nvPr>
+            </p:nvSpPr>
+            <p:spPr>
+              <a:xfrm>
+                <a:off x="0" y="0"/>
+                <a:ext cx="9144000" cy="6858000"/>
+              </a:xfrm>
+              <a:blipFill>
+                <a:blip r:embed="rId2"/>
+                <a:stretch>
+                  <a:fillRect l="-200" t="-711" r="-333"/>
+                </a:stretch>
+              </a:blipFill>
+            </p:spPr>
+            <p:txBody>
+              <a:bodyPr/>
+              <a:lstStyle/>
+              <a:p>
+                <a:r>
+                  <a:rPr lang="fr-FR">
+                    <a:noFill/>
+                  </a:rPr>
+                  <a:t> </a:t>
+                </a:r>
+              </a:p>
+            </p:txBody>
+          </p:sp>
+        </mc:Fallback>
+      </mc:AlternateContent>
+      <p:pic>
+        <p:nvPicPr>
+          <p:cNvPr id="4" name="Image 3">
             <a:extLst>
               <a:ext uri="{FF2B5EF4-FFF2-40B4-BE49-F238E27FC236}">
-                <a16:creationId xmlns:a16="http://schemas.microsoft.com/office/drawing/2014/main" id="{879A789C-4D2A-436D-B495-D8408044D8A2}"/>
+                <a16:creationId xmlns:a16="http://schemas.microsoft.com/office/drawing/2014/main" id="{817CCE0E-E1BD-47B7-AA1E-61A7DCA6C82F}"/>
               </a:ext>
             </a:extLst>
           </p:cNvPr>
-          <p:cNvSpPr>
-            <a:spLocks noGrp="1"/>
-          </p:cNvSpPr>
-          <p:nvPr>
-            <p:ph type="title"/>
-          </p:nvPr>
-        </p:nvSpPr>
-        <p:spPr/>
-        <p:txBody>
-          <a:bodyPr/>
-          <a:lstStyle/>
-          <a:p>
-            <a:endParaRPr lang="fr-FR"/>
-          </a:p>
-        </p:txBody>
-      </p:sp>
-      <p:sp>
-        <p:nvSpPr>
-          <p:cNvPr id="3" name="Espace réservé du contenu 2">
+          <p:cNvPicPr>
+            <a:picLocks noChangeAspect="1"/>
+          </p:cNvPicPr>
+          <p:nvPr/>
+        </p:nvPicPr>
+        <p:blipFill>
+          <a:blip r:embed="rId3"/>
+          <a:stretch>
+            <a:fillRect/>
+          </a:stretch>
+        </p:blipFill>
+        <p:spPr>
+          <a:xfrm>
+            <a:off x="9140472" y="2286280"/>
+            <a:ext cx="2965178" cy="1814250"/>
+          </a:xfrm>
+          <a:prstGeom prst="rect">
+            <a:avLst/>
+          </a:prstGeom>
+        </p:spPr>
+      </p:pic>
+      <p:pic>
+        <p:nvPicPr>
+          <p:cNvPr id="5" name="Image 4">
             <a:extLst>
               <a:ext uri="{FF2B5EF4-FFF2-40B4-BE49-F238E27FC236}">
-                <a16:creationId xmlns:a16="http://schemas.microsoft.com/office/drawing/2014/main" id="{D835D508-1344-40E1-A3DF-14B355ABE4B4}"/>
+                <a16:creationId xmlns:a16="http://schemas.microsoft.com/office/drawing/2014/main" id="{E824FF78-E677-4E8F-9DB9-CFC2402D2F9D}"/>
               </a:ext>
             </a:extLst>
           </p:cNvPr>
-          <p:cNvSpPr>
-            <a:spLocks noGrp="1"/>
-          </p:cNvSpPr>
-          <p:nvPr>
-            <p:ph idx="1"/>
-          </p:nvPr>
-        </p:nvSpPr>
-        <p:spPr/>
-        <p:txBody>
-          <a:bodyPr/>
-          <a:lstStyle/>
-          <a:p>
-            <a:endParaRPr lang="fr-FR"/>
+          <p:cNvPicPr>
+            <a:picLocks noChangeAspect="1"/>
+          </p:cNvPicPr>
+          <p:nvPr/>
+        </p:nvPicPr>
+        <p:blipFill>
+          <a:blip r:embed="rId4"/>
+          <a:stretch>
+            <a:fillRect/>
+          </a:stretch>
+        </p:blipFill>
+        <p:spPr>
+          <a:xfrm>
+            <a:off x="9125882" y="4100530"/>
+            <a:ext cx="2965178" cy="1929563"/>
+          </a:xfrm>
+          <a:prstGeom prst="rect">
+            <a:avLst/>
+          </a:prstGeom>
+        </p:spPr>
+      </p:pic>
+      <p:sp>
+        <p:nvSpPr>
+          <p:cNvPr id="6" name="ZoneTexte 5">
+            <a:extLst>
+              <a:ext uri="{FF2B5EF4-FFF2-40B4-BE49-F238E27FC236}">
+                <a16:creationId xmlns:a16="http://schemas.microsoft.com/office/drawing/2014/main" id="{C3601CB2-8AC6-4F35-A5E5-C643CD4D4DD6}"/>
+              </a:ext>
+            </a:extLst>
+          </p:cNvPr>
+          <p:cNvSpPr txBox="1"/>
+          <p:nvPr/>
+        </p:nvSpPr>
+        <p:spPr>
+          <a:xfrm>
+            <a:off x="9468544" y="643241"/>
+            <a:ext cx="6624736" cy="369332"/>
+          </a:xfrm>
+          <a:prstGeom prst="rect">
+            <a:avLst/>
+          </a:prstGeom>
+          <a:noFill/>
+        </p:spPr>
+        <p:txBody>
+          <a:bodyPr wrap="square" rtlCol="0">
+            <a:spAutoFit/>
+          </a:bodyPr>
+          <a:lstStyle/>
+          <a:p>
+            <a:r>
+              <a:rPr lang="fr-FR" dirty="0" err="1"/>
+              <a:t>Beynet</a:t>
+            </a:r>
+            <a:r>
+              <a:rPr lang="fr-FR"/>
+              <a:t>, Ellipses</a:t>
+            </a:r>
           </a:p>
         </p:txBody>
       </p:sp>
     </p:spTree>
     <p:extLst>
       <p:ext uri="{BB962C8B-B14F-4D97-AF65-F5344CB8AC3E}">
-        <p14:creationId xmlns:p14="http://schemas.microsoft.com/office/powerpoint/2010/main" val="1881572181"/>
+        <p14:creationId xmlns:p14="http://schemas.microsoft.com/office/powerpoint/2010/main" val="1974338122"/>
       </p:ext>
     </p:extLst>
   </p:cSld>
